--- a/slides/02 Statisitics - Freq.pptx
+++ b/slides/02 Statisitics - Freq.pptx
@@ -5,7 +5,7 @@
     <p:sldMasterId id="2147483648" r:id="rId1"/>
   </p:sldMasterIdLst>
   <p:notesMasterIdLst>
-    <p:notesMasterId r:id="rId32"/>
+    <p:notesMasterId r:id="rId28"/>
   </p:notesMasterIdLst>
   <p:sldIdLst>
     <p:sldId id="256" r:id="rId2"/>
@@ -33,11 +33,7 @@
     <p:sldId id="279" r:id="rId24"/>
     <p:sldId id="278" r:id="rId25"/>
     <p:sldId id="286" r:id="rId26"/>
-    <p:sldId id="285" r:id="rId27"/>
-    <p:sldId id="284" r:id="rId28"/>
-    <p:sldId id="283" r:id="rId29"/>
-    <p:sldId id="282" r:id="rId30"/>
-    <p:sldId id="287" r:id="rId31"/>
+    <p:sldId id="287" r:id="rId27"/>
   </p:sldIdLst>
   <p:sldSz cx="12192000" cy="6858000"/>
   <p:notesSz cx="6858000" cy="9144000"/>
@@ -226,7 +222,7 @@
           <a:p>
             <a:fld id="{C77D99E8-9542-4CD5-9E99-13EA9F7E5074}" type="datetimeFigureOut">
               <a:rPr lang="en-US" smtClean="0"/>
-              <a:t>2022-11-13</a:t>
+              <a:t>11/20/2022</a:t>
             </a:fld>
             <a:endParaRPr lang="en-US"/>
           </a:p>
@@ -1329,321 +1325,6 @@
 </p:notes>
 </file>
 
-<file path=ppt/notesSlides/notesSlide7.xml><?xml version="1.0" encoding="utf-8"?>
-<p:notes xmlns:a="http://schemas.openxmlformats.org/drawingml/2006/main" xmlns:r="http://schemas.openxmlformats.org/officeDocument/2006/relationships" xmlns:p="http://schemas.openxmlformats.org/presentationml/2006/main">
-  <p:cSld>
-    <p:spTree>
-      <p:nvGrpSpPr>
-        <p:cNvPr id="1" name=""/>
-        <p:cNvGrpSpPr/>
-        <p:nvPr/>
-      </p:nvGrpSpPr>
-      <p:grpSpPr>
-        <a:xfrm>
-          <a:off x="0" y="0"/>
-          <a:ext cx="0" cy="0"/>
-          <a:chOff x="0" y="0"/>
-          <a:chExt cx="0" cy="0"/>
-        </a:xfrm>
-      </p:grpSpPr>
-      <p:sp>
-        <p:nvSpPr>
-          <p:cNvPr id="7" name="Rectangle 7">
-            <a:extLst>
-              <a:ext uri="{FF2B5EF4-FFF2-40B4-BE49-F238E27FC236}">
-                <a16:creationId xmlns:a16="http://schemas.microsoft.com/office/drawing/2014/main" id="{C2D2D4EF-1F43-4DCD-B99F-3B7FD70C3397}"/>
-              </a:ext>
-            </a:extLst>
-          </p:cNvPr>
-          <p:cNvSpPr>
-            <a:spLocks noGrp="1" noChangeArrowheads="1"/>
-          </p:cNvSpPr>
-          <p:nvPr>
-            <p:ph type="sldNum" sz="quarter" idx="5"/>
-          </p:nvPr>
-        </p:nvSpPr>
-        <p:spPr>
-          <a:ln/>
-        </p:spPr>
-        <p:txBody>
-          <a:bodyPr/>
-          <a:lstStyle/>
-          <a:p>
-            <a:fld id="{111BD11A-70D3-49DA-B7DB-34359BD4097C}" type="slidenum">
-              <a:rPr lang="en-US" altLang="en-US"/>
-              <a:pPr/>
-              <a:t>27</a:t>
-            </a:fld>
-            <a:endParaRPr lang="en-US" altLang="en-US"/>
-          </a:p>
-        </p:txBody>
-      </p:sp>
-      <p:sp>
-        <p:nvSpPr>
-          <p:cNvPr id="40962" name="Rectangle 2">
-            <a:extLst>
-              <a:ext uri="{FF2B5EF4-FFF2-40B4-BE49-F238E27FC236}">
-                <a16:creationId xmlns:a16="http://schemas.microsoft.com/office/drawing/2014/main" id="{8418159A-99AE-4E82-A6EF-2D68C2B01B8F}"/>
-              </a:ext>
-            </a:extLst>
-          </p:cNvPr>
-          <p:cNvSpPr>
-            <a:spLocks noGrp="1" noRot="1" noChangeAspect="1" noChangeArrowheads="1" noTextEdit="1"/>
-          </p:cNvSpPr>
-          <p:nvPr>
-            <p:ph type="sldImg"/>
-          </p:nvPr>
-        </p:nvSpPr>
-        <p:spPr>
-          <a:ln/>
-        </p:spPr>
-      </p:sp>
-      <p:sp>
-        <p:nvSpPr>
-          <p:cNvPr id="40963" name="Rectangle 3">
-            <a:extLst>
-              <a:ext uri="{FF2B5EF4-FFF2-40B4-BE49-F238E27FC236}">
-                <a16:creationId xmlns:a16="http://schemas.microsoft.com/office/drawing/2014/main" id="{D77E64A8-3520-49C4-B0D7-FFD9EDD7A563}"/>
-              </a:ext>
-            </a:extLst>
-          </p:cNvPr>
-          <p:cNvSpPr>
-            <a:spLocks noGrp="1" noChangeArrowheads="1"/>
-          </p:cNvSpPr>
-          <p:nvPr>
-            <p:ph type="body" idx="1"/>
-          </p:nvPr>
-        </p:nvSpPr>
-        <p:spPr/>
-        <p:txBody>
-          <a:bodyPr/>
-          <a:lstStyle/>
-          <a:p>
-            <a:r>
-              <a:rPr lang="el-GR" altLang="en-US" b="1">
-                <a:solidFill>
-                  <a:srgbClr val="00FFFF"/>
-                </a:solidFill>
-                <a:cs typeface="Arial" panose="020B0604020202020204" pitchFamily="34" charset="0"/>
-              </a:rPr>
-              <a:t>Figure 2.14</a:t>
-            </a:r>
-            <a:endParaRPr lang="el-GR" altLang="en-US">
-              <a:solidFill>
-                <a:srgbClr val="00FFFF"/>
-              </a:solidFill>
-              <a:cs typeface="Arial" panose="020B0604020202020204" pitchFamily="34" charset="0"/>
-            </a:endParaRPr>
-          </a:p>
-          <a:p>
-            <a:r>
-              <a:rPr lang="el-GR" altLang="en-US">
-                <a:solidFill>
-                  <a:srgbClr val="00FFFF"/>
-                </a:solidFill>
-                <a:cs typeface="Arial" panose="020B0604020202020204" pitchFamily="34" charset="0"/>
-              </a:rPr>
-              <a:t>A graphic representation of the process of interpolation. The same interval is shown on two separate scales, time and distance. Only the endpoints of the scales are known – Bob starts at 0 for both time and distance, and he ends at 40 minutes and 2 miles. Interpolation is used to estimate values within the interval by assuming that fractional portions of one scale correspond to the same fractional portions of the other. For example, it is assumed that halfway through the time scale corresponds to halfway through the distance scale.</a:t>
-            </a:r>
-          </a:p>
-          <a:p>
-            <a:endParaRPr lang="en-US" altLang="en-US"/>
-          </a:p>
-        </p:txBody>
-      </p:sp>
-    </p:spTree>
-  </p:cSld>
-  <p:clrMapOvr>
-    <a:masterClrMapping/>
-  </p:clrMapOvr>
-</p:notes>
-</file>
-
-<file path=ppt/notesSlides/notesSlide8.xml><?xml version="1.0" encoding="utf-8"?>
-<p:notes xmlns:a="http://schemas.openxmlformats.org/drawingml/2006/main" xmlns:r="http://schemas.openxmlformats.org/officeDocument/2006/relationships" xmlns:p="http://schemas.openxmlformats.org/presentationml/2006/main">
-  <p:cSld>
-    <p:spTree>
-      <p:nvGrpSpPr>
-        <p:cNvPr id="1" name=""/>
-        <p:cNvGrpSpPr/>
-        <p:nvPr/>
-      </p:nvGrpSpPr>
-      <p:grpSpPr>
-        <a:xfrm>
-          <a:off x="0" y="0"/>
-          <a:ext cx="0" cy="0"/>
-          <a:chOff x="0" y="0"/>
-          <a:chExt cx="0" cy="0"/>
-        </a:xfrm>
-      </p:grpSpPr>
-      <p:sp>
-        <p:nvSpPr>
-          <p:cNvPr id="7" name="Rectangle 7">
-            <a:extLst>
-              <a:ext uri="{FF2B5EF4-FFF2-40B4-BE49-F238E27FC236}">
-                <a16:creationId xmlns:a16="http://schemas.microsoft.com/office/drawing/2014/main" id="{64AAAB63-85E2-4723-9DC7-BD87F0ED55D4}"/>
-              </a:ext>
-            </a:extLst>
-          </p:cNvPr>
-          <p:cNvSpPr>
-            <a:spLocks noGrp="1" noChangeArrowheads="1"/>
-          </p:cNvSpPr>
-          <p:nvPr>
-            <p:ph type="sldNum" sz="quarter" idx="5"/>
-          </p:nvPr>
-        </p:nvSpPr>
-        <p:spPr>
-          <a:ln/>
-        </p:spPr>
-        <p:txBody>
-          <a:bodyPr/>
-          <a:lstStyle/>
-          <a:p>
-            <a:fld id="{751689C1-1859-43F8-B071-542039C9F76B}" type="slidenum">
-              <a:rPr lang="en-US" altLang="en-US"/>
-              <a:pPr/>
-              <a:t>29</a:t>
-            </a:fld>
-            <a:endParaRPr lang="en-US" altLang="en-US"/>
-          </a:p>
-        </p:txBody>
-      </p:sp>
-      <p:sp>
-        <p:nvSpPr>
-          <p:cNvPr id="41986" name="Rectangle 2">
-            <a:extLst>
-              <a:ext uri="{FF2B5EF4-FFF2-40B4-BE49-F238E27FC236}">
-                <a16:creationId xmlns:a16="http://schemas.microsoft.com/office/drawing/2014/main" id="{8E099FD1-2C48-4063-8CA8-E5857B2F8BEC}"/>
-              </a:ext>
-            </a:extLst>
-          </p:cNvPr>
-          <p:cNvSpPr>
-            <a:spLocks noGrp="1" noRot="1" noChangeAspect="1" noChangeArrowheads="1" noTextEdit="1"/>
-          </p:cNvSpPr>
-          <p:nvPr>
-            <p:ph type="sldImg"/>
-          </p:nvPr>
-        </p:nvSpPr>
-        <p:spPr>
-          <a:ln/>
-        </p:spPr>
-      </p:sp>
-      <p:sp>
-        <p:nvSpPr>
-          <p:cNvPr id="41987" name="Rectangle 3">
-            <a:extLst>
-              <a:ext uri="{FF2B5EF4-FFF2-40B4-BE49-F238E27FC236}">
-                <a16:creationId xmlns:a16="http://schemas.microsoft.com/office/drawing/2014/main" id="{BD4B0AA9-1674-453D-A587-A419481311CA}"/>
-              </a:ext>
-            </a:extLst>
-          </p:cNvPr>
-          <p:cNvSpPr>
-            <a:spLocks noGrp="1" noChangeArrowheads="1"/>
-          </p:cNvSpPr>
-          <p:nvPr>
-            <p:ph type="body" idx="1"/>
-          </p:nvPr>
-        </p:nvSpPr>
-        <p:spPr/>
-        <p:txBody>
-          <a:bodyPr/>
-          <a:lstStyle/>
-          <a:p>
-            <a:r>
-              <a:rPr lang="el-GR" altLang="en-US" b="1">
-                <a:solidFill>
-                  <a:srgbClr val="00FFFF"/>
-                </a:solidFill>
-                <a:cs typeface="Arial" panose="020B0604020202020204" pitchFamily="34" charset="0"/>
-              </a:rPr>
-              <a:t>Figure 2.15</a:t>
-            </a:r>
-            <a:endParaRPr lang="el-GR" altLang="en-US">
-              <a:solidFill>
-                <a:srgbClr val="00FFFF"/>
-              </a:solidFill>
-              <a:cs typeface="Arial" panose="020B0604020202020204" pitchFamily="34" charset="0"/>
-            </a:endParaRPr>
-          </a:p>
-          <a:p>
-            <a:r>
-              <a:rPr lang="el-GR" altLang="en-US">
-                <a:solidFill>
-                  <a:srgbClr val="00FFFF"/>
-                </a:solidFill>
-                <a:cs typeface="Arial" panose="020B0604020202020204" pitchFamily="34" charset="0"/>
-              </a:rPr>
-              <a:t>A grouped frequency distribution histogram and a stem and leaf display showing the distribution of scores from Table 2.3. The stem and leaf display is placed on its side to demonstrate that the display gives the same information provided in the histogram.</a:t>
-            </a:r>
-          </a:p>
-          <a:p>
-            <a:r>
-              <a:rPr lang="el-GR" altLang="en-US" b="1">
-                <a:solidFill>
-                  <a:srgbClr val="00FFFF"/>
-                </a:solidFill>
-                <a:cs typeface="Arial" panose="020B0604020202020204" pitchFamily="34" charset="0"/>
-              </a:rPr>
-              <a:t>Figure 2.4</a:t>
-            </a:r>
-            <a:endParaRPr lang="el-GR" altLang="en-US">
-              <a:solidFill>
-                <a:srgbClr val="00FFFF"/>
-              </a:solidFill>
-              <a:cs typeface="Arial" panose="020B0604020202020204" pitchFamily="34" charset="0"/>
-            </a:endParaRPr>
-          </a:p>
-          <a:p>
-            <a:r>
-              <a:rPr lang="el-GR" altLang="en-US">
-                <a:solidFill>
-                  <a:srgbClr val="00FFFF"/>
-                </a:solidFill>
-                <a:cs typeface="Arial" panose="020B0604020202020204" pitchFamily="34" charset="0"/>
-              </a:rPr>
-              <a:t>A frequency distribution in which each individual is represented by a block placed directly above the individual’s score. For example, three people had scores of </a:t>
-            </a:r>
-            <a:r>
-              <a:rPr lang="el-GR" altLang="en-US" i="1">
-                <a:solidFill>
-                  <a:srgbClr val="00FFFF"/>
-                </a:solidFill>
-                <a:cs typeface="Arial" panose="020B0604020202020204" pitchFamily="34" charset="0"/>
-              </a:rPr>
-              <a:t>X </a:t>
-            </a:r>
-            <a:r>
-              <a:rPr lang="en-US" altLang="en-US">
-                <a:solidFill>
-                  <a:srgbClr val="00FFFF"/>
-                </a:solidFill>
-                <a:cs typeface="Arial" panose="020B0604020202020204" pitchFamily="34" charset="0"/>
-              </a:rPr>
-              <a:t>= </a:t>
-            </a:r>
-            <a:r>
-              <a:rPr lang="el-GR" altLang="en-US">
-                <a:solidFill>
-                  <a:srgbClr val="00FFFF"/>
-                </a:solidFill>
-                <a:cs typeface="Arial" panose="020B0604020202020204" pitchFamily="34" charset="0"/>
-              </a:rPr>
-              <a:t>2.</a:t>
-            </a:r>
-          </a:p>
-          <a:p>
-            <a:endParaRPr lang="en-US" altLang="en-US"/>
-          </a:p>
-        </p:txBody>
-      </p:sp>
-    </p:spTree>
-  </p:cSld>
-  <p:clrMapOvr>
-    <a:masterClrMapping/>
-  </p:clrMapOvr>
-</p:notes>
-</file>
-
 <file path=ppt/slideLayouts/slideLayout1.xml><?xml version="1.0" encoding="utf-8"?>
 <p:sldLayout xmlns:a="http://schemas.openxmlformats.org/drawingml/2006/main" xmlns:r="http://schemas.openxmlformats.org/officeDocument/2006/relationships" xmlns:p="http://schemas.openxmlformats.org/presentationml/2006/main" type="title" preserve="1">
   <p:cSld name="Title Slide">
@@ -1791,7 +1472,7 @@
           <a:p>
             <a:fld id="{B2192B02-1973-425B-A486-CD8145A62F82}" type="datetimeFigureOut">
               <a:rPr lang="en-US" smtClean="0"/>
-              <a:t>2022-11-13</a:t>
+              <a:t>11/20/2022</a:t>
             </a:fld>
             <a:endParaRPr lang="en-US"/>
           </a:p>
@@ -1989,7 +1670,7 @@
           <a:p>
             <a:fld id="{B2192B02-1973-425B-A486-CD8145A62F82}" type="datetimeFigureOut">
               <a:rPr lang="en-US" smtClean="0"/>
-              <a:t>2022-11-13</a:t>
+              <a:t>11/20/2022</a:t>
             </a:fld>
             <a:endParaRPr lang="en-US"/>
           </a:p>
@@ -2197,7 +1878,7 @@
           <a:p>
             <a:fld id="{B2192B02-1973-425B-A486-CD8145A62F82}" type="datetimeFigureOut">
               <a:rPr lang="en-US" smtClean="0"/>
-              <a:t>2022-11-13</a:t>
+              <a:t>11/20/2022</a:t>
             </a:fld>
             <a:endParaRPr lang="en-US"/>
           </a:p>
@@ -2395,7 +2076,7 @@
           <a:p>
             <a:fld id="{B2192B02-1973-425B-A486-CD8145A62F82}" type="datetimeFigureOut">
               <a:rPr lang="en-US" smtClean="0"/>
-              <a:t>2022-11-13</a:t>
+              <a:t>11/20/2022</a:t>
             </a:fld>
             <a:endParaRPr lang="en-US"/>
           </a:p>
@@ -2670,7 +2351,7 @@
           <a:p>
             <a:fld id="{B2192B02-1973-425B-A486-CD8145A62F82}" type="datetimeFigureOut">
               <a:rPr lang="en-US" smtClean="0"/>
-              <a:t>2022-11-13</a:t>
+              <a:t>11/20/2022</a:t>
             </a:fld>
             <a:endParaRPr lang="en-US"/>
           </a:p>
@@ -2935,7 +2616,7 @@
           <a:p>
             <a:fld id="{B2192B02-1973-425B-A486-CD8145A62F82}" type="datetimeFigureOut">
               <a:rPr lang="en-US" smtClean="0"/>
-              <a:t>2022-11-13</a:t>
+              <a:t>11/20/2022</a:t>
             </a:fld>
             <a:endParaRPr lang="en-US"/>
           </a:p>
@@ -3347,7 +3028,7 @@
           <a:p>
             <a:fld id="{B2192B02-1973-425B-A486-CD8145A62F82}" type="datetimeFigureOut">
               <a:rPr lang="en-US" smtClean="0"/>
-              <a:t>2022-11-13</a:t>
+              <a:t>11/20/2022</a:t>
             </a:fld>
             <a:endParaRPr lang="en-US"/>
           </a:p>
@@ -3488,7 +3169,7 @@
           <a:p>
             <a:fld id="{B2192B02-1973-425B-A486-CD8145A62F82}" type="datetimeFigureOut">
               <a:rPr lang="en-US" smtClean="0"/>
-              <a:t>2022-11-13</a:t>
+              <a:t>11/20/2022</a:t>
             </a:fld>
             <a:endParaRPr lang="en-US"/>
           </a:p>
@@ -3601,7 +3282,7 @@
           <a:p>
             <a:fld id="{B2192B02-1973-425B-A486-CD8145A62F82}" type="datetimeFigureOut">
               <a:rPr lang="en-US" smtClean="0"/>
-              <a:t>2022-11-13</a:t>
+              <a:t>11/20/2022</a:t>
             </a:fld>
             <a:endParaRPr lang="en-US"/>
           </a:p>
@@ -3912,7 +3593,7 @@
           <a:p>
             <a:fld id="{B2192B02-1973-425B-A486-CD8145A62F82}" type="datetimeFigureOut">
               <a:rPr lang="en-US" smtClean="0"/>
-              <a:t>2022-11-13</a:t>
+              <a:t>11/20/2022</a:t>
             </a:fld>
             <a:endParaRPr lang="en-US"/>
           </a:p>
@@ -4200,7 +3881,7 @@
           <a:p>
             <a:fld id="{B2192B02-1973-425B-A486-CD8145A62F82}" type="datetimeFigureOut">
               <a:rPr lang="en-US" smtClean="0"/>
-              <a:t>2022-11-13</a:t>
+              <a:t>11/20/2022</a:t>
             </a:fld>
             <a:endParaRPr lang="en-US"/>
           </a:p>
@@ -4441,7 +4122,7 @@
           <a:p>
             <a:fld id="{B2192B02-1973-425B-A486-CD8145A62F82}" type="datetimeFigureOut">
               <a:rPr lang="en-US" smtClean="0"/>
-              <a:t>2022-11-13</a:t>
+              <a:t>11/20/2022</a:t>
             </a:fld>
             <a:endParaRPr lang="en-US"/>
           </a:p>
@@ -6075,8 +5756,36 @@
               </a:lnSpc>
             </a:pPr>
             <a:r>
-              <a:rPr lang="en-US" altLang="en-US"/>
-              <a:t>After collecting data, the first task for a researcher is to organize and simplify the data so that it is possible to get a general overview of the results.  </a:t>
+              <a:rPr lang="en-US" altLang="en-US" b="1" dirty="0"/>
+              <a:t>After collecting data</a:t>
+            </a:r>
+            <a:r>
+              <a:rPr lang="en-US" altLang="en-US" dirty="0"/>
+              <a:t>, the </a:t>
+            </a:r>
+            <a:r>
+              <a:rPr lang="en-US" altLang="en-US" b="1" dirty="0"/>
+              <a:t>first task </a:t>
+            </a:r>
+            <a:r>
+              <a:rPr lang="en-US" altLang="en-US" dirty="0"/>
+              <a:t>for a researcher is </a:t>
+            </a:r>
+            <a:r>
+              <a:rPr lang="en-US" altLang="en-US" b="1" dirty="0"/>
+              <a:t>to organize and simplify the data</a:t>
+            </a:r>
+            <a:r>
+              <a:rPr lang="en-US" altLang="en-US" dirty="0"/>
+              <a:t> so that it is possible to get a </a:t>
+            </a:r>
+            <a:r>
+              <a:rPr lang="en-US" altLang="en-US" b="1" dirty="0"/>
+              <a:t>general overview </a:t>
+            </a:r>
+            <a:r>
+              <a:rPr lang="en-US" altLang="en-US" dirty="0"/>
+              <a:t>of the results.  </a:t>
             </a:r>
           </a:p>
           <a:p>
@@ -6086,7 +5795,7 @@
               </a:lnSpc>
             </a:pPr>
             <a:r>
-              <a:rPr lang="en-US" altLang="en-US"/>
+              <a:rPr lang="en-US" altLang="en-US" dirty="0"/>
               <a:t>This is the goal of descriptive statistical techniques.  </a:t>
             </a:r>
           </a:p>
@@ -6097,15 +5806,15 @@
               </a:lnSpc>
             </a:pPr>
             <a:r>
-              <a:rPr lang="en-US" altLang="en-US"/>
+              <a:rPr lang="en-US" altLang="en-US" dirty="0"/>
               <a:t>One method for simplifying and organizing data is to construct a </a:t>
             </a:r>
             <a:r>
-              <a:rPr lang="en-US" altLang="en-US" b="1"/>
+              <a:rPr lang="en-US" altLang="en-US" b="1" dirty="0"/>
               <a:t>frequency distribution</a:t>
             </a:r>
             <a:r>
-              <a:rPr lang="en-US" altLang="en-US"/>
+              <a:rPr lang="en-US" altLang="en-US" dirty="0"/>
               <a:t>. </a:t>
             </a:r>
           </a:p>
@@ -6903,7 +6612,9 @@
         </p:nvSpPr>
         <p:spPr/>
         <p:txBody>
-          <a:bodyPr/>
+          <a:bodyPr>
+            <a:normAutofit/>
+          </a:bodyPr>
           <a:lstStyle/>
           <a:p>
             <a:pPr>
@@ -6912,27 +6623,28 @@
               </a:lnSpc>
             </a:pPr>
             <a:r>
-              <a:rPr lang="en-US" altLang="en-US" sz="2400"/>
-              <a:t>To find percentiles and percentile ranks, two new columns are placed in the frequency distribution table: One is for cumulative frequency (cf) and the other is for cumulative percentage (c%).  </a:t>
-            </a:r>
-          </a:p>
-          <a:p>
-            <a:pPr>
-              <a:lnSpc>
-                <a:spcPct val="80000"/>
-              </a:lnSpc>
-            </a:pPr>
-            <a:r>
-              <a:rPr lang="en-US" altLang="en-US" sz="2400"/>
-              <a:t>Each cumulative percentage identifies the percentile rank for the upper real limit of the corresponding score or class interval.  When scores or percentages do not correspond to upper real limits or cumulative percentages, you must use interpolation to determine the corresponding ranks and percentiles.  </a:t>
-            </a:r>
-            <a:r>
-              <a:rPr lang="en-US" altLang="en-US" sz="2400" b="1"/>
-              <a:t>Interpolation</a:t>
-            </a:r>
-            <a:r>
-              <a:rPr lang="en-US" altLang="en-US" sz="2400"/>
-              <a:t> is a mathematical process based on the assumption that the scores and the percentages change in a regular, linear fashion as you move through an interval from one end to the other. </a:t>
+              <a:rPr lang="en-US" altLang="en-US" sz="4000" dirty="0"/>
+              <a:t>To find percentiles and percentile ranks, two new columns are placed in the frequency distribution table: One is </a:t>
+            </a:r>
+            <a:r>
+              <a:rPr lang="en-US" altLang="en-US" sz="4000" b="1" dirty="0"/>
+              <a:t>for cumulative frequency (</a:t>
+            </a:r>
+            <a:r>
+              <a:rPr lang="en-US" altLang="en-US" sz="4000" b="1" dirty="0" err="1"/>
+              <a:t>cf</a:t>
+            </a:r>
+            <a:r>
+              <a:rPr lang="en-US" altLang="en-US" sz="4000" b="1" dirty="0"/>
+              <a:t>)</a:t>
+            </a:r>
+            <a:r>
+              <a:rPr lang="en-US" altLang="en-US" sz="4000" dirty="0"/>
+              <a:t> and the other is for </a:t>
+            </a:r>
+            <a:r>
+              <a:rPr lang="en-US" altLang="en-US" sz="4000" b="1" dirty="0"/>
+              <a:t>cumulative percentage (c%).  </a:t>
             </a:r>
           </a:p>
         </p:txBody>
@@ -6964,45 +6676,15 @@
       </p:grpSpPr>
       <p:sp>
         <p:nvSpPr>
-          <p:cNvPr id="4" name="Slide Number Placeholder 3">
-            <a:extLst>
-              <a:ext uri="{FF2B5EF4-FFF2-40B4-BE49-F238E27FC236}">
-                <a16:creationId xmlns:a16="http://schemas.microsoft.com/office/drawing/2014/main" id="{1A2CA9F2-1771-41AB-A8A7-166B38972A59}"/>
-              </a:ext>
-            </a:extLst>
-          </p:cNvPr>
-          <p:cNvSpPr>
-            <a:spLocks noGrp="1"/>
-          </p:cNvSpPr>
-          <p:nvPr>
-            <p:ph type="sldNum" sz="quarter" idx="12"/>
-          </p:nvPr>
-        </p:nvSpPr>
-        <p:spPr/>
-        <p:txBody>
-          <a:bodyPr/>
-          <a:lstStyle/>
-          <a:p>
-            <a:fld id="{2546044A-0306-452B-B151-6F0D113F0D19}" type="slidenum">
-              <a:rPr lang="en-US" altLang="en-US"/>
-              <a:pPr/>
-              <a:t>26</a:t>
-            </a:fld>
-            <a:endParaRPr lang="en-US" altLang="en-US"/>
-          </a:p>
-        </p:txBody>
-      </p:sp>
-      <p:sp>
-        <p:nvSpPr>
-          <p:cNvPr id="31746" name="Rectangle 2">
-            <a:extLst>
-              <a:ext uri="{FF2B5EF4-FFF2-40B4-BE49-F238E27FC236}">
-                <a16:creationId xmlns:a16="http://schemas.microsoft.com/office/drawing/2014/main" id="{26C7BC62-5662-46C2-8611-546032AE5B6C}"/>
-              </a:ext>
-            </a:extLst>
-          </p:cNvPr>
-          <p:cNvSpPr>
-            <a:spLocks noGrp="1" noChangeArrowheads="1"/>
+          <p:cNvPr id="4" name="Title 3">
+            <a:extLst>
+              <a:ext uri="{FF2B5EF4-FFF2-40B4-BE49-F238E27FC236}">
+                <a16:creationId xmlns:a16="http://schemas.microsoft.com/office/drawing/2014/main" id="{D6FB8609-BA81-412C-874F-EF4035889663}"/>
+              </a:ext>
+            </a:extLst>
+          </p:cNvPr>
+          <p:cNvSpPr>
+            <a:spLocks noGrp="1"/>
           </p:cNvSpPr>
           <p:nvPr>
             <p:ph type="title"/>
@@ -7014,470 +6696,18 @@
           <a:lstStyle/>
           <a:p>
             <a:r>
-              <a:rPr lang="en-US" altLang="en-US"/>
-              <a:t>Interpolation</a:t>
-            </a:r>
-          </a:p>
-        </p:txBody>
-      </p:sp>
-      <p:sp>
-        <p:nvSpPr>
-          <p:cNvPr id="31747" name="Rectangle 3">
-            <a:extLst>
-              <a:ext uri="{FF2B5EF4-FFF2-40B4-BE49-F238E27FC236}">
-                <a16:creationId xmlns:a16="http://schemas.microsoft.com/office/drawing/2014/main" id="{4F6C8D43-C0C4-45D2-B132-13125E23DE75}"/>
-              </a:ext>
-            </a:extLst>
-          </p:cNvPr>
-          <p:cNvSpPr>
-            <a:spLocks noGrp="1" noChangeArrowheads="1"/>
-          </p:cNvSpPr>
-          <p:nvPr>
-            <p:ph type="body" idx="1"/>
-          </p:nvPr>
-        </p:nvSpPr>
-        <p:spPr/>
-        <p:txBody>
-          <a:bodyPr/>
-          <a:lstStyle/>
-          <a:p>
-            <a:r>
-              <a:rPr lang="en-US" altLang="en-US"/>
-              <a:t>When scores or percentages do not correspond to upper real limits or cumulative percentages, you must use interpolation to determine the corresponding ranks and percentiles.  </a:t>
-            </a:r>
-          </a:p>
-          <a:p>
-            <a:r>
-              <a:rPr lang="en-US" altLang="en-US" b="1"/>
-              <a:t>Interpolation</a:t>
-            </a:r>
-            <a:r>
-              <a:rPr lang="en-US" altLang="en-US"/>
-              <a:t> is a mathematical process based on the assumption that the scores and the percentages change in a regular, linear fashion as you move through an interval from one end to the other. </a:t>
-            </a:r>
-          </a:p>
-          <a:p>
-            <a:endParaRPr lang="en-US" altLang="en-US"/>
+              <a:rPr lang="en-US"/>
+              <a:t>Thank you </a:t>
+            </a:r>
           </a:p>
         </p:txBody>
       </p:sp>
     </p:spTree>
-  </p:cSld>
-  <p:clrMapOvr>
-    <a:masterClrMapping/>
-  </p:clrMapOvr>
-</p:sld>
-</file>
-
-<file path=ppt/slides/slide27.xml><?xml version="1.0" encoding="utf-8"?>
-<p:sld xmlns:a="http://schemas.openxmlformats.org/drawingml/2006/main" xmlns:r="http://schemas.openxmlformats.org/officeDocument/2006/relationships" xmlns:p="http://schemas.openxmlformats.org/presentationml/2006/main">
-  <p:cSld>
-    <p:spTree>
-      <p:nvGrpSpPr>
-        <p:cNvPr id="1" name=""/>
-        <p:cNvGrpSpPr/>
-        <p:nvPr/>
-      </p:nvGrpSpPr>
-      <p:grpSpPr>
-        <a:xfrm>
-          <a:off x="0" y="0"/>
-          <a:ext cx="0" cy="0"/>
-          <a:chOff x="0" y="0"/>
-          <a:chExt cx="0" cy="0"/>
-        </a:xfrm>
-      </p:grpSpPr>
-      <p:pic>
-        <p:nvPicPr>
-          <p:cNvPr id="30725" name="Picture 5">
-            <a:extLst>
-              <a:ext uri="{FF2B5EF4-FFF2-40B4-BE49-F238E27FC236}">
-                <a16:creationId xmlns:a16="http://schemas.microsoft.com/office/drawing/2014/main" id="{C10CC31B-5017-4703-BEFF-2714E0449309}"/>
-              </a:ext>
-            </a:extLst>
-          </p:cNvPr>
-          <p:cNvPicPr>
-            <a:picLocks noChangeAspect="1" noChangeArrowheads="1"/>
-          </p:cNvPicPr>
-          <p:nvPr/>
-        </p:nvPicPr>
-        <p:blipFill>
-          <a:blip r:embed="rId3">
-            <a:extLst>
-              <a:ext uri="{28A0092B-C50C-407E-A947-70E740481C1C}">
-                <a14:useLocalDpi xmlns:a14="http://schemas.microsoft.com/office/drawing/2010/main" val="0"/>
-              </a:ext>
-            </a:extLst>
-          </a:blip>
-          <a:srcRect/>
-          <a:stretch>
-            <a:fillRect/>
-          </a:stretch>
-        </p:blipFill>
-        <p:spPr bwMode="auto">
-          <a:xfrm>
-            <a:off x="1612900" y="1003300"/>
-            <a:ext cx="8966200" cy="4851400"/>
-          </a:xfrm>
-          <a:prstGeom prst="rect">
-            <a:avLst/>
-          </a:prstGeom>
-          <a:noFill/>
-          <a:extLst>
-            <a:ext uri="{909E8E84-426E-40DD-AFC4-6F175D3DCCD1}">
-              <a14:hiddenFill xmlns:a14="http://schemas.microsoft.com/office/drawing/2010/main">
-                <a:solidFill>
-                  <a:srgbClr val="FFFFFF"/>
-                </a:solidFill>
-              </a14:hiddenFill>
-            </a:ext>
-          </a:extLst>
-        </p:spPr>
-      </p:pic>
-    </p:spTree>
-  </p:cSld>
-  <p:clrMapOvr>
-    <a:masterClrMapping/>
-  </p:clrMapOvr>
-</p:sld>
-</file>
-
-<file path=ppt/slides/slide28.xml><?xml version="1.0" encoding="utf-8"?>
-<p:sld xmlns:a="http://schemas.openxmlformats.org/drawingml/2006/main" xmlns:r="http://schemas.openxmlformats.org/officeDocument/2006/relationships" xmlns:p="http://schemas.openxmlformats.org/presentationml/2006/main">
-  <p:cSld>
-    <p:spTree>
-      <p:nvGrpSpPr>
-        <p:cNvPr id="1" name=""/>
-        <p:cNvGrpSpPr/>
-        <p:nvPr/>
-      </p:nvGrpSpPr>
-      <p:grpSpPr>
-        <a:xfrm>
-          <a:off x="0" y="0"/>
-          <a:ext cx="0" cy="0"/>
-          <a:chOff x="0" y="0"/>
-          <a:chExt cx="0" cy="0"/>
-        </a:xfrm>
-      </p:grpSpPr>
-      <p:sp>
-        <p:nvSpPr>
-          <p:cNvPr id="4" name="Slide Number Placeholder 3">
-            <a:extLst>
-              <a:ext uri="{FF2B5EF4-FFF2-40B4-BE49-F238E27FC236}">
-                <a16:creationId xmlns:a16="http://schemas.microsoft.com/office/drawing/2014/main" id="{D703BB86-28EF-421F-AA03-20ED046CAA6A}"/>
-              </a:ext>
-            </a:extLst>
-          </p:cNvPr>
-          <p:cNvSpPr>
-            <a:spLocks noGrp="1"/>
-          </p:cNvSpPr>
-          <p:nvPr>
-            <p:ph type="sldNum" sz="quarter" idx="12"/>
-          </p:nvPr>
-        </p:nvSpPr>
-        <p:spPr/>
-        <p:txBody>
-          <a:bodyPr/>
-          <a:lstStyle/>
-          <a:p>
-            <a:fld id="{E8D8FEC7-B13B-4E3B-A5B2-C17F56FAB453}" type="slidenum">
-              <a:rPr lang="en-US" altLang="en-US"/>
-              <a:pPr/>
-              <a:t>28</a:t>
-            </a:fld>
-            <a:endParaRPr lang="en-US" altLang="en-US"/>
-          </a:p>
-        </p:txBody>
-      </p:sp>
-      <p:sp>
-        <p:nvSpPr>
-          <p:cNvPr id="29698" name="Rectangle 2">
-            <a:extLst>
-              <a:ext uri="{FF2B5EF4-FFF2-40B4-BE49-F238E27FC236}">
-                <a16:creationId xmlns:a16="http://schemas.microsoft.com/office/drawing/2014/main" id="{6825260E-D73D-4051-8A10-72D535D00A70}"/>
-              </a:ext>
-            </a:extLst>
-          </p:cNvPr>
-          <p:cNvSpPr>
-            <a:spLocks noGrp="1" noChangeArrowheads="1"/>
-          </p:cNvSpPr>
-          <p:nvPr>
-            <p:ph type="title"/>
-          </p:nvPr>
-        </p:nvSpPr>
-        <p:spPr/>
-        <p:txBody>
-          <a:bodyPr/>
-          <a:lstStyle/>
-          <a:p>
-            <a:r>
-              <a:rPr lang="en-US" altLang="en-US"/>
-              <a:t>Stem-and-Leaf Displays</a:t>
-            </a:r>
-          </a:p>
-        </p:txBody>
-      </p:sp>
-      <p:sp>
-        <p:nvSpPr>
-          <p:cNvPr id="29699" name="Rectangle 3">
-            <a:extLst>
-              <a:ext uri="{FF2B5EF4-FFF2-40B4-BE49-F238E27FC236}">
-                <a16:creationId xmlns:a16="http://schemas.microsoft.com/office/drawing/2014/main" id="{9FFFE75D-1A12-4F6D-B7F0-CA652EA4D7AC}"/>
-              </a:ext>
-            </a:extLst>
-          </p:cNvPr>
-          <p:cNvSpPr>
-            <a:spLocks noGrp="1" noChangeArrowheads="1"/>
-          </p:cNvSpPr>
-          <p:nvPr>
-            <p:ph type="body" idx="1"/>
-          </p:nvPr>
-        </p:nvSpPr>
-        <p:spPr>
-          <a:xfrm>
-            <a:off x="1981200" y="1295400"/>
-            <a:ext cx="8229600" cy="5181600"/>
-          </a:xfrm>
-        </p:spPr>
-        <p:txBody>
-          <a:bodyPr/>
-          <a:lstStyle/>
-          <a:p>
-            <a:pPr>
-              <a:lnSpc>
-                <a:spcPct val="80000"/>
-              </a:lnSpc>
-            </a:pPr>
-            <a:r>
-              <a:rPr lang="en-US" altLang="en-US"/>
-              <a:t>A </a:t>
-            </a:r>
-            <a:r>
-              <a:rPr lang="en-US" altLang="en-US" b="1"/>
-              <a:t>stem-and-leaf display</a:t>
-            </a:r>
-            <a:r>
-              <a:rPr lang="en-US" altLang="en-US"/>
-              <a:t> provides a very efficient method for obtaining and displaying a frequency distribution.  </a:t>
-            </a:r>
-          </a:p>
-          <a:p>
-            <a:pPr>
-              <a:lnSpc>
-                <a:spcPct val="80000"/>
-              </a:lnSpc>
-            </a:pPr>
-            <a:r>
-              <a:rPr lang="en-US" altLang="en-US"/>
-              <a:t>Each score is divided into a </a:t>
-            </a:r>
-            <a:r>
-              <a:rPr lang="en-US" altLang="en-US" b="1"/>
-              <a:t>stem</a:t>
-            </a:r>
-            <a:r>
-              <a:rPr lang="en-US" altLang="en-US"/>
-              <a:t> consisting of the first digit or digits, and a </a:t>
-            </a:r>
-            <a:r>
-              <a:rPr lang="en-US" altLang="en-US" b="1"/>
-              <a:t>leaf</a:t>
-            </a:r>
-            <a:r>
-              <a:rPr lang="en-US" altLang="en-US"/>
-              <a:t> consisting of the final digit. </a:t>
-            </a:r>
-          </a:p>
-          <a:p>
-            <a:pPr>
-              <a:lnSpc>
-                <a:spcPct val="80000"/>
-              </a:lnSpc>
-            </a:pPr>
-            <a:r>
-              <a:rPr lang="en-US" altLang="en-US"/>
-              <a:t>Finally, you go through the list of scores, one at a time, and write the leaf for each score beside its stem.  </a:t>
-            </a:r>
-          </a:p>
-          <a:p>
-            <a:pPr>
-              <a:lnSpc>
-                <a:spcPct val="80000"/>
-              </a:lnSpc>
-            </a:pPr>
-            <a:r>
-              <a:rPr lang="en-US" altLang="en-US"/>
-              <a:t>The resulting display provides an organized picture of the entire distribution.  The number of leafs beside each stem corresponds to the frequency, and the individual leafs identify the individual scores. </a:t>
-            </a:r>
-          </a:p>
-        </p:txBody>
-      </p:sp>
-    </p:spTree>
-  </p:cSld>
-  <p:clrMapOvr>
-    <a:masterClrMapping/>
-  </p:clrMapOvr>
-</p:sld>
-</file>
-
-<file path=ppt/slides/slide29.xml><?xml version="1.0" encoding="utf-8"?>
-<p:sld xmlns:a="http://schemas.openxmlformats.org/drawingml/2006/main" xmlns:r="http://schemas.openxmlformats.org/officeDocument/2006/relationships" xmlns:p="http://schemas.openxmlformats.org/presentationml/2006/main">
-  <p:cSld>
-    <p:spTree>
-      <p:nvGrpSpPr>
-        <p:cNvPr id="1" name=""/>
-        <p:cNvGrpSpPr/>
-        <p:nvPr/>
-      </p:nvGrpSpPr>
-      <p:grpSpPr>
-        <a:xfrm>
-          <a:off x="0" y="0"/>
-          <a:ext cx="0" cy="0"/>
-          <a:chOff x="0" y="0"/>
-          <a:chExt cx="0" cy="0"/>
-        </a:xfrm>
-      </p:grpSpPr>
-      <p:pic>
-        <p:nvPicPr>
-          <p:cNvPr id="28677" name="Picture 5">
-            <a:extLst>
-              <a:ext uri="{FF2B5EF4-FFF2-40B4-BE49-F238E27FC236}">
-                <a16:creationId xmlns:a16="http://schemas.microsoft.com/office/drawing/2014/main" id="{B65541FC-F004-4D8E-8B4B-A0C7F20DA2E1}"/>
-              </a:ext>
-            </a:extLst>
-          </p:cNvPr>
-          <p:cNvPicPr>
-            <a:picLocks noChangeAspect="1" noChangeArrowheads="1"/>
-          </p:cNvPicPr>
-          <p:nvPr/>
-        </p:nvPicPr>
-        <p:blipFill>
-          <a:blip r:embed="rId3">
-            <a:extLst>
-              <a:ext uri="{28A0092B-C50C-407E-A947-70E740481C1C}">
-                <a14:useLocalDpi xmlns:a14="http://schemas.microsoft.com/office/drawing/2010/main" val="0"/>
-              </a:ext>
-            </a:extLst>
-          </a:blip>
-          <a:srcRect/>
-          <a:stretch>
-            <a:fillRect/>
-          </a:stretch>
-        </p:blipFill>
-        <p:spPr bwMode="auto">
-          <a:xfrm>
-            <a:off x="2171700" y="685800"/>
-            <a:ext cx="7848600" cy="3036888"/>
-          </a:xfrm>
-          <a:prstGeom prst="rect">
-            <a:avLst/>
-          </a:prstGeom>
-          <a:noFill/>
-          <a:extLst>
-            <a:ext uri="{909E8E84-426E-40DD-AFC4-6F175D3DCCD1}">
-              <a14:hiddenFill xmlns:a14="http://schemas.microsoft.com/office/drawing/2010/main">
-                <a:solidFill>
-                  <a:srgbClr val="FFFFFF"/>
-                </a:solidFill>
-              </a14:hiddenFill>
-            </a:ext>
-          </a:extLst>
-        </p:spPr>
-      </p:pic>
-      <p:pic>
-        <p:nvPicPr>
-          <p:cNvPr id="28678" name="Picture 6">
-            <a:extLst>
-              <a:ext uri="{FF2B5EF4-FFF2-40B4-BE49-F238E27FC236}">
-                <a16:creationId xmlns:a16="http://schemas.microsoft.com/office/drawing/2014/main" id="{D78D31E9-3A20-47F9-A29A-EDA401C058AB}"/>
-              </a:ext>
-            </a:extLst>
-          </p:cNvPr>
-          <p:cNvPicPr>
-            <a:picLocks noChangeAspect="1" noChangeArrowheads="1"/>
-          </p:cNvPicPr>
-          <p:nvPr/>
-        </p:nvPicPr>
-        <p:blipFill>
-          <a:blip r:embed="rId4">
-            <a:extLst>
-              <a:ext uri="{28A0092B-C50C-407E-A947-70E740481C1C}">
-                <a14:useLocalDpi xmlns:a14="http://schemas.microsoft.com/office/drawing/2010/main" val="0"/>
-              </a:ext>
-            </a:extLst>
-          </a:blip>
-          <a:srcRect/>
-          <a:stretch>
-            <a:fillRect/>
-          </a:stretch>
-        </p:blipFill>
-        <p:spPr bwMode="auto">
-          <a:xfrm>
-            <a:off x="1628775" y="4256089"/>
-            <a:ext cx="4343400" cy="1658937"/>
-          </a:xfrm>
-          <a:prstGeom prst="rect">
-            <a:avLst/>
-          </a:prstGeom>
-          <a:noFill/>
-          <a:extLst>
-            <a:ext uri="{909E8E84-426E-40DD-AFC4-6F175D3DCCD1}">
-              <a14:hiddenFill xmlns:a14="http://schemas.microsoft.com/office/drawing/2010/main">
-                <a:solidFill>
-                  <a:srgbClr val="FFFFFF"/>
-                </a:solidFill>
-              </a14:hiddenFill>
-            </a:ext>
-          </a:extLst>
-        </p:spPr>
-      </p:pic>
-      <p:pic>
-        <p:nvPicPr>
-          <p:cNvPr id="28679" name="Picture 7">
-            <a:extLst>
-              <a:ext uri="{FF2B5EF4-FFF2-40B4-BE49-F238E27FC236}">
-                <a16:creationId xmlns:a16="http://schemas.microsoft.com/office/drawing/2014/main" id="{C799A2E1-D066-40B2-9DDF-9BD92FC3C3B1}"/>
-              </a:ext>
-            </a:extLst>
-          </p:cNvPr>
-          <p:cNvPicPr>
-            <a:picLocks noChangeAspect="1" noChangeArrowheads="1"/>
-          </p:cNvPicPr>
-          <p:nvPr/>
-        </p:nvPicPr>
-        <p:blipFill>
-          <a:blip r:embed="rId5">
-            <a:extLst>
-              <a:ext uri="{28A0092B-C50C-407E-A947-70E740481C1C}">
-                <a14:useLocalDpi xmlns:a14="http://schemas.microsoft.com/office/drawing/2010/main" val="0"/>
-              </a:ext>
-            </a:extLst>
-          </a:blip>
-          <a:srcRect/>
-          <a:stretch>
-            <a:fillRect/>
-          </a:stretch>
-        </p:blipFill>
-        <p:spPr bwMode="auto">
-          <a:xfrm>
-            <a:off x="6400800" y="4446589"/>
-            <a:ext cx="3962400" cy="1316037"/>
-          </a:xfrm>
-          <a:prstGeom prst="rect">
-            <a:avLst/>
-          </a:prstGeom>
-          <a:noFill/>
-          <a:extLst>
-            <a:ext uri="{909E8E84-426E-40DD-AFC4-6F175D3DCCD1}">
-              <a14:hiddenFill xmlns:a14="http://schemas.microsoft.com/office/drawing/2010/main">
-                <a:solidFill>
-                  <a:srgbClr val="FFFFFF"/>
-                </a:solidFill>
-              </a14:hiddenFill>
-            </a:ext>
-          </a:extLst>
-        </p:spPr>
-      </p:pic>
-    </p:spTree>
+    <p:extLst>
+      <p:ext uri="{BB962C8B-B14F-4D97-AF65-F5344CB8AC3E}">
+        <p14:creationId xmlns:p14="http://schemas.microsoft.com/office/powerpoint/2010/main" val="1549449215"/>
+      </p:ext>
+    </p:extLst>
   </p:cSld>
   <p:clrMapOvr>
     <a:masterClrMapping/>
@@ -7600,89 +6830,6 @@
         </p:txBody>
       </p:sp>
     </p:spTree>
-  </p:cSld>
-  <p:clrMapOvr>
-    <a:masterClrMapping/>
-  </p:clrMapOvr>
-</p:sld>
-</file>
-
-<file path=ppt/slides/slide30.xml><?xml version="1.0" encoding="utf-8"?>
-<p:sld xmlns:a="http://schemas.openxmlformats.org/drawingml/2006/main" xmlns:r="http://schemas.openxmlformats.org/officeDocument/2006/relationships" xmlns:p="http://schemas.openxmlformats.org/presentationml/2006/main">
-  <p:cSld>
-    <p:spTree>
-      <p:nvGrpSpPr>
-        <p:cNvPr id="1" name=""/>
-        <p:cNvGrpSpPr/>
-        <p:nvPr/>
-      </p:nvGrpSpPr>
-      <p:grpSpPr>
-        <a:xfrm>
-          <a:off x="0" y="0"/>
-          <a:ext cx="0" cy="0"/>
-          <a:chOff x="0" y="0"/>
-          <a:chExt cx="0" cy="0"/>
-        </a:xfrm>
-      </p:grpSpPr>
-      <p:sp>
-        <p:nvSpPr>
-          <p:cNvPr id="4" name="Title 3">
-            <a:extLst>
-              <a:ext uri="{FF2B5EF4-FFF2-40B4-BE49-F238E27FC236}">
-                <a16:creationId xmlns:a16="http://schemas.microsoft.com/office/drawing/2014/main" id="{D6FB8609-BA81-412C-874F-EF4035889663}"/>
-              </a:ext>
-            </a:extLst>
-          </p:cNvPr>
-          <p:cNvSpPr>
-            <a:spLocks noGrp="1"/>
-          </p:cNvSpPr>
-          <p:nvPr>
-            <p:ph type="title"/>
-          </p:nvPr>
-        </p:nvSpPr>
-        <p:spPr/>
-        <p:txBody>
-          <a:bodyPr/>
-          <a:lstStyle/>
-          <a:p>
-            <a:r>
-              <a:rPr lang="en-US"/>
-              <a:t>Thank you </a:t>
-            </a:r>
-          </a:p>
-        </p:txBody>
-      </p:sp>
-      <p:sp>
-        <p:nvSpPr>
-          <p:cNvPr id="5" name="Text Placeholder 4">
-            <a:extLst>
-              <a:ext uri="{FF2B5EF4-FFF2-40B4-BE49-F238E27FC236}">
-                <a16:creationId xmlns:a16="http://schemas.microsoft.com/office/drawing/2014/main" id="{AA683E89-0106-470A-B418-6B3DA8620BB5}"/>
-              </a:ext>
-            </a:extLst>
-          </p:cNvPr>
-          <p:cNvSpPr>
-            <a:spLocks noGrp="1"/>
-          </p:cNvSpPr>
-          <p:nvPr>
-            <p:ph type="body" idx="1"/>
-          </p:nvPr>
-        </p:nvSpPr>
-        <p:spPr/>
-        <p:txBody>
-          <a:bodyPr/>
-          <a:lstStyle/>
-          <a:p>
-            <a:endParaRPr lang="en-US"/>
-          </a:p>
-        </p:txBody>
-      </p:sp>
-    </p:spTree>
-    <p:extLst>
-      <p:ext uri="{BB962C8B-B14F-4D97-AF65-F5344CB8AC3E}">
-        <p14:creationId xmlns:p14="http://schemas.microsoft.com/office/powerpoint/2010/main" val="1549449215"/>
-      </p:ext>
-    </p:extLst>
   </p:cSld>
   <p:clrMapOvr>
     <a:masterClrMapping/>

--- a/slides/02 Statisitics - Freq.pptx
+++ b/slides/02 Statisitics - Freq.pptx
@@ -222,7 +222,7 @@
           <a:p>
             <a:fld id="{C77D99E8-9542-4CD5-9E99-13EA9F7E5074}" type="datetimeFigureOut">
               <a:rPr lang="en-US" smtClean="0"/>
-              <a:t>11/20/2022</a:t>
+              <a:t>11/27/2022</a:t>
             </a:fld>
             <a:endParaRPr lang="en-US"/>
           </a:p>
@@ -1472,7 +1472,7 @@
           <a:p>
             <a:fld id="{B2192B02-1973-425B-A486-CD8145A62F82}" type="datetimeFigureOut">
               <a:rPr lang="en-US" smtClean="0"/>
-              <a:t>11/20/2022</a:t>
+              <a:t>11/27/2022</a:t>
             </a:fld>
             <a:endParaRPr lang="en-US"/>
           </a:p>
@@ -1670,7 +1670,7 @@
           <a:p>
             <a:fld id="{B2192B02-1973-425B-A486-CD8145A62F82}" type="datetimeFigureOut">
               <a:rPr lang="en-US" smtClean="0"/>
-              <a:t>11/20/2022</a:t>
+              <a:t>11/27/2022</a:t>
             </a:fld>
             <a:endParaRPr lang="en-US"/>
           </a:p>
@@ -1878,7 +1878,7 @@
           <a:p>
             <a:fld id="{B2192B02-1973-425B-A486-CD8145A62F82}" type="datetimeFigureOut">
               <a:rPr lang="en-US" smtClean="0"/>
-              <a:t>11/20/2022</a:t>
+              <a:t>11/27/2022</a:t>
             </a:fld>
             <a:endParaRPr lang="en-US"/>
           </a:p>
@@ -2076,7 +2076,7 @@
           <a:p>
             <a:fld id="{B2192B02-1973-425B-A486-CD8145A62F82}" type="datetimeFigureOut">
               <a:rPr lang="en-US" smtClean="0"/>
-              <a:t>11/20/2022</a:t>
+              <a:t>11/27/2022</a:t>
             </a:fld>
             <a:endParaRPr lang="en-US"/>
           </a:p>
@@ -2351,7 +2351,7 @@
           <a:p>
             <a:fld id="{B2192B02-1973-425B-A486-CD8145A62F82}" type="datetimeFigureOut">
               <a:rPr lang="en-US" smtClean="0"/>
-              <a:t>11/20/2022</a:t>
+              <a:t>11/27/2022</a:t>
             </a:fld>
             <a:endParaRPr lang="en-US"/>
           </a:p>
@@ -2616,7 +2616,7 @@
           <a:p>
             <a:fld id="{B2192B02-1973-425B-A486-CD8145A62F82}" type="datetimeFigureOut">
               <a:rPr lang="en-US" smtClean="0"/>
-              <a:t>11/20/2022</a:t>
+              <a:t>11/27/2022</a:t>
             </a:fld>
             <a:endParaRPr lang="en-US"/>
           </a:p>
@@ -3028,7 +3028,7 @@
           <a:p>
             <a:fld id="{B2192B02-1973-425B-A486-CD8145A62F82}" type="datetimeFigureOut">
               <a:rPr lang="en-US" smtClean="0"/>
-              <a:t>11/20/2022</a:t>
+              <a:t>11/27/2022</a:t>
             </a:fld>
             <a:endParaRPr lang="en-US"/>
           </a:p>
@@ -3169,7 +3169,7 @@
           <a:p>
             <a:fld id="{B2192B02-1973-425B-A486-CD8145A62F82}" type="datetimeFigureOut">
               <a:rPr lang="en-US" smtClean="0"/>
-              <a:t>11/20/2022</a:t>
+              <a:t>11/27/2022</a:t>
             </a:fld>
             <a:endParaRPr lang="en-US"/>
           </a:p>
@@ -3282,7 +3282,7 @@
           <a:p>
             <a:fld id="{B2192B02-1973-425B-A486-CD8145A62F82}" type="datetimeFigureOut">
               <a:rPr lang="en-US" smtClean="0"/>
-              <a:t>11/20/2022</a:t>
+              <a:t>11/27/2022</a:t>
             </a:fld>
             <a:endParaRPr lang="en-US"/>
           </a:p>
@@ -3593,7 +3593,7 @@
           <a:p>
             <a:fld id="{B2192B02-1973-425B-A486-CD8145A62F82}" type="datetimeFigureOut">
               <a:rPr lang="en-US" smtClean="0"/>
-              <a:t>11/20/2022</a:t>
+              <a:t>11/27/2022</a:t>
             </a:fld>
             <a:endParaRPr lang="en-US"/>
           </a:p>
@@ -3881,7 +3881,7 @@
           <a:p>
             <a:fld id="{B2192B02-1973-425B-A486-CD8145A62F82}" type="datetimeFigureOut">
               <a:rPr lang="en-US" smtClean="0"/>
-              <a:t>11/20/2022</a:t>
+              <a:t>11/27/2022</a:t>
             </a:fld>
             <a:endParaRPr lang="en-US"/>
           </a:p>
@@ -4122,7 +4122,7 @@
           <a:p>
             <a:fld id="{B2192B02-1973-425B-A486-CD8145A62F82}" type="datetimeFigureOut">
               <a:rPr lang="en-US" smtClean="0"/>
-              <a:t>11/20/2022</a:t>
+              <a:t>11/27/2022</a:t>
             </a:fld>
             <a:endParaRPr lang="en-US"/>
           </a:p>
@@ -5796,7 +5796,11 @@
             </a:pPr>
             <a:r>
               <a:rPr lang="en-US" altLang="en-US" dirty="0"/>
-              <a:t>This is the goal of descriptive statistical techniques.  </a:t>
+              <a:t>This is the goal of </a:t>
+            </a:r>
+            <a:r>
+              <a:rPr lang="en-US" altLang="en-US" b="1" dirty="0"/>
+              <a:t>descriptive statistical techniques.  </a:t>
             </a:r>
           </a:p>
           <a:p>
@@ -6068,15 +6072,15 @@
               </a:lnSpc>
             </a:pPr>
             <a:r>
-              <a:rPr lang="en-US" altLang="en-US"/>
+              <a:rPr lang="en-US" altLang="en-US" dirty="0"/>
               <a:t>A graph shows the </a:t>
             </a:r>
             <a:r>
-              <a:rPr lang="en-US" altLang="en-US" b="1"/>
+              <a:rPr lang="en-US" altLang="en-US" b="1" dirty="0"/>
               <a:t>shape</a:t>
             </a:r>
             <a:r>
-              <a:rPr lang="en-US" altLang="en-US"/>
+              <a:rPr lang="en-US" altLang="en-US" dirty="0"/>
               <a:t> of the distribution.  </a:t>
             </a:r>
           </a:p>
@@ -6087,15 +6091,15 @@
               </a:lnSpc>
             </a:pPr>
             <a:r>
-              <a:rPr lang="en-US" altLang="en-US"/>
+              <a:rPr lang="en-US" altLang="en-US" dirty="0"/>
               <a:t>A distribution is </a:t>
             </a:r>
             <a:r>
-              <a:rPr lang="en-US" altLang="en-US" b="1"/>
+              <a:rPr lang="en-US" altLang="en-US" b="1" dirty="0"/>
               <a:t>symmetrical</a:t>
             </a:r>
             <a:r>
-              <a:rPr lang="en-US" altLang="en-US"/>
+              <a:rPr lang="en-US" altLang="en-US" dirty="0"/>
               <a:t> if the left side of the graph is (roughly) a mirror image of the right side.  </a:t>
             </a:r>
           </a:p>
@@ -6106,7 +6110,7 @@
               </a:lnSpc>
             </a:pPr>
             <a:r>
-              <a:rPr lang="en-US" altLang="en-US"/>
+              <a:rPr lang="en-US" altLang="en-US" dirty="0"/>
               <a:t>One example of a symmetrical distribution is the bell-shaped normal distribution.  </a:t>
             </a:r>
           </a:p>
@@ -6117,15 +6121,15 @@
               </a:lnSpc>
             </a:pPr>
             <a:r>
-              <a:rPr lang="en-US" altLang="en-US"/>
+              <a:rPr lang="en-US" altLang="en-US" dirty="0"/>
               <a:t>On the other hand, distributions are </a:t>
             </a:r>
             <a:r>
-              <a:rPr lang="en-US" altLang="en-US" b="1"/>
+              <a:rPr lang="en-US" altLang="en-US" b="1" dirty="0"/>
               <a:t>skewed</a:t>
             </a:r>
             <a:r>
-              <a:rPr lang="en-US" altLang="en-US"/>
+              <a:rPr lang="en-US" altLang="en-US" dirty="0"/>
               <a:t> when scores pile up on one side of the distribution, leaving a "tail" of a few extreme values on the other side.  </a:t>
             </a:r>
           </a:p>
@@ -6939,15 +6943,15 @@
               </a:lnSpc>
             </a:pPr>
             <a:r>
-              <a:rPr lang="en-US" altLang="en-US"/>
+              <a:rPr lang="en-US" altLang="en-US" dirty="0"/>
               <a:t>A </a:t>
             </a:r>
             <a:r>
-              <a:rPr lang="en-US" altLang="en-US" b="1"/>
+              <a:rPr lang="en-US" altLang="en-US" b="1" dirty="0"/>
               <a:t>frequency distribution table</a:t>
             </a:r>
             <a:r>
-              <a:rPr lang="en-US" altLang="en-US"/>
+              <a:rPr lang="en-US" altLang="en-US" dirty="0"/>
               <a:t> consists of at least two columns - one listing categories on the scale of measurement (X) and another for frequency (f).  </a:t>
             </a:r>
           </a:p>
@@ -6958,7 +6962,7 @@
               </a:lnSpc>
             </a:pPr>
             <a:r>
-              <a:rPr lang="en-US" altLang="en-US"/>
+              <a:rPr lang="en-US" altLang="en-US" dirty="0"/>
               <a:t>In the X column, values are listed from the highest to lowest, without skipping any.  </a:t>
             </a:r>
           </a:p>
@@ -6969,7 +6973,7 @@
               </a:lnSpc>
             </a:pPr>
             <a:r>
-              <a:rPr lang="en-US" altLang="en-US"/>
+              <a:rPr lang="en-US" altLang="en-US" dirty="0"/>
               <a:t>For the frequency column, tallies are determined for each value (how often each X value occurs in the data set).  These tallies are the frequencies for each X value.  </a:t>
             </a:r>
           </a:p>
@@ -6980,7 +6984,7 @@
               </a:lnSpc>
             </a:pPr>
             <a:r>
-              <a:rPr lang="en-US" altLang="en-US"/>
+              <a:rPr lang="en-US" altLang="en-US" dirty="0"/>
               <a:t>The sum of the frequencies should equal N.  </a:t>
             </a:r>
           </a:p>
@@ -7101,7 +7105,7 @@
               </a:lnSpc>
             </a:pPr>
             <a:r>
-              <a:rPr lang="en-US" altLang="en-US"/>
+              <a:rPr lang="en-US" altLang="en-US" dirty="0"/>
               <a:t>A third column can be used for the proportion (p) for each category:  p = f/N.  The sum of the p column should equal 1.00. </a:t>
             </a:r>
           </a:p>
@@ -7112,7 +7116,7 @@
               </a:lnSpc>
             </a:pPr>
             <a:r>
-              <a:rPr lang="en-US" altLang="en-US"/>
+              <a:rPr lang="en-US" altLang="en-US" dirty="0"/>
               <a:t>A fourth column can display the percentage of the distribution corresponding to each X value.  The percentage is found by multiplying p by 100.  The sum of the percentage column is 100%. </a:t>
             </a:r>
           </a:p>
@@ -7122,7 +7126,7 @@
                 <a:spcPct val="90000"/>
               </a:lnSpc>
             </a:pPr>
-            <a:endParaRPr lang="en-US" altLang="en-US"/>
+            <a:endParaRPr lang="en-US" altLang="en-US" dirty="0"/>
           </a:p>
         </p:txBody>
       </p:sp>
@@ -7475,32 +7479,32 @@
           <a:lstStyle/>
           <a:p>
             <a:r>
-              <a:rPr lang="en-US" altLang="en-US"/>
+              <a:rPr lang="en-US" altLang="en-US" dirty="0"/>
               <a:t>In a grouped table, the X column lists groups of scores, called </a:t>
             </a:r>
             <a:r>
-              <a:rPr lang="en-US" altLang="en-US" b="1"/>
+              <a:rPr lang="en-US" altLang="en-US" b="1" dirty="0"/>
               <a:t>class intervals</a:t>
             </a:r>
             <a:r>
-              <a:rPr lang="en-US" altLang="en-US"/>
+              <a:rPr lang="en-US" altLang="en-US" dirty="0"/>
               <a:t>, rather than individual values.  </a:t>
             </a:r>
           </a:p>
           <a:p>
             <a:r>
-              <a:rPr lang="en-US" altLang="en-US"/>
+              <a:rPr lang="en-US" altLang="en-US" dirty="0"/>
               <a:t>These intervals all have the same width, usually a simple number such as 2, 5, 10, and so on.  </a:t>
             </a:r>
           </a:p>
           <a:p>
             <a:r>
-              <a:rPr lang="en-US" altLang="en-US"/>
+              <a:rPr lang="en-US" altLang="en-US" dirty="0"/>
               <a:t>Each interval begins with a value that is a multiple of the interval width.  The interval width is selected so that the table will have approximately ten intervals.</a:t>
             </a:r>
           </a:p>
           <a:p>
-            <a:endParaRPr lang="en-US" altLang="en-US"/>
+            <a:endParaRPr lang="en-US" altLang="en-US" dirty="0"/>
           </a:p>
         </p:txBody>
       </p:sp>
@@ -7609,21 +7613,21 @@
           <a:lstStyle/>
           <a:p>
             <a:r>
-              <a:rPr lang="en-US" altLang="en-US"/>
+              <a:rPr lang="en-US" altLang="en-US" dirty="0"/>
               <a:t>In a </a:t>
             </a:r>
             <a:r>
-              <a:rPr lang="en-US" altLang="en-US" b="1"/>
+              <a:rPr lang="en-US" altLang="en-US" b="1" dirty="0"/>
               <a:t>frequency distribution graph</a:t>
             </a:r>
             <a:r>
-              <a:rPr lang="en-US" altLang="en-US"/>
+              <a:rPr lang="en-US" altLang="en-US" dirty="0"/>
               <a:t>, the score categories (X values) are listed on the X axis and the frequencies are listed on the Y axis.  </a:t>
             </a:r>
           </a:p>
           <a:p>
             <a:r>
-              <a:rPr lang="en-US" altLang="en-US"/>
+              <a:rPr lang="en-US" altLang="en-US" dirty="0"/>
               <a:t>When the score categories consist of numerical scores from an interval or ratio scale, the graph should be either a histogram or a polygon.  </a:t>
             </a:r>
           </a:p>

--- a/slides/02 Statisitics - Freq.pptx
+++ b/slides/02 Statisitics - Freq.pptx
@@ -5,7 +5,7 @@
     <p:sldMasterId id="2147483648" r:id="rId1"/>
   </p:sldMasterIdLst>
   <p:notesMasterIdLst>
-    <p:notesMasterId r:id="rId28"/>
+    <p:notesMasterId r:id="rId29"/>
   </p:notesMasterIdLst>
   <p:sldIdLst>
     <p:sldId id="256" r:id="rId2"/>
@@ -33,7 +33,8 @@
     <p:sldId id="279" r:id="rId24"/>
     <p:sldId id="278" r:id="rId25"/>
     <p:sldId id="286" r:id="rId26"/>
-    <p:sldId id="287" r:id="rId27"/>
+    <p:sldId id="288" r:id="rId27"/>
+    <p:sldId id="287" r:id="rId28"/>
   </p:sldIdLst>
   <p:sldSz cx="12192000" cy="6858000"/>
   <p:notesSz cx="6858000" cy="9144000"/>
@@ -6662,6 +6663,91 @@
 </file>
 
 <file path=ppt/slides/slide26.xml><?xml version="1.0" encoding="utf-8"?>
+<p:sld xmlns:a="http://schemas.openxmlformats.org/drawingml/2006/main" xmlns:r="http://schemas.openxmlformats.org/officeDocument/2006/relationships" xmlns:p="http://schemas.openxmlformats.org/presentationml/2006/main">
+  <p:cSld>
+    <p:spTree>
+      <p:nvGrpSpPr>
+        <p:cNvPr id="1" name=""/>
+        <p:cNvGrpSpPr/>
+        <p:nvPr/>
+      </p:nvGrpSpPr>
+      <p:grpSpPr>
+        <a:xfrm>
+          <a:off x="0" y="0"/>
+          <a:ext cx="0" cy="0"/>
+          <a:chOff x="0" y="0"/>
+          <a:chExt cx="0" cy="0"/>
+        </a:xfrm>
+      </p:grpSpPr>
+      <p:sp>
+        <p:nvSpPr>
+          <p:cNvPr id="2" name="Title 1">
+            <a:extLst>
+              <a:ext uri="{FF2B5EF4-FFF2-40B4-BE49-F238E27FC236}">
+                <a16:creationId xmlns:a16="http://schemas.microsoft.com/office/drawing/2014/main" id="{8E5F9D54-205B-C024-3E99-93985B7E928B}"/>
+              </a:ext>
+            </a:extLst>
+          </p:cNvPr>
+          <p:cNvSpPr>
+            <a:spLocks noGrp="1"/>
+          </p:cNvSpPr>
+          <p:nvPr>
+            <p:ph type="title"/>
+          </p:nvPr>
+        </p:nvSpPr>
+        <p:spPr/>
+        <p:txBody>
+          <a:bodyPr/>
+          <a:lstStyle/>
+          <a:p>
+            <a:endParaRPr lang="en-US"/>
+          </a:p>
+        </p:txBody>
+      </p:sp>
+      <p:pic>
+        <p:nvPicPr>
+          <p:cNvPr id="5" name="Picture 4">
+            <a:extLst>
+              <a:ext uri="{FF2B5EF4-FFF2-40B4-BE49-F238E27FC236}">
+                <a16:creationId xmlns:a16="http://schemas.microsoft.com/office/drawing/2014/main" id="{2A2E803D-6FB2-55CF-DF87-A6912256E2DC}"/>
+              </a:ext>
+            </a:extLst>
+          </p:cNvPr>
+          <p:cNvPicPr>
+            <a:picLocks noChangeAspect="1"/>
+          </p:cNvPicPr>
+          <p:nvPr/>
+        </p:nvPicPr>
+        <p:blipFill>
+          <a:blip r:embed="rId2"/>
+          <a:stretch>
+            <a:fillRect/>
+          </a:stretch>
+        </p:blipFill>
+        <p:spPr>
+          <a:xfrm>
+            <a:off x="3103123" y="2103004"/>
+            <a:ext cx="4307441" cy="4344897"/>
+          </a:xfrm>
+          <a:prstGeom prst="rect">
+            <a:avLst/>
+          </a:prstGeom>
+        </p:spPr>
+      </p:pic>
+    </p:spTree>
+    <p:extLst>
+      <p:ext uri="{BB962C8B-B14F-4D97-AF65-F5344CB8AC3E}">
+        <p14:creationId xmlns:p14="http://schemas.microsoft.com/office/powerpoint/2010/main" val="1028435870"/>
+      </p:ext>
+    </p:extLst>
+  </p:cSld>
+  <p:clrMapOvr>
+    <a:masterClrMapping/>
+  </p:clrMapOvr>
+</p:sld>
+</file>
+
+<file path=ppt/slides/slide27.xml><?xml version="1.0" encoding="utf-8"?>
 <p:sld xmlns:a="http://schemas.openxmlformats.org/drawingml/2006/main" xmlns:r="http://schemas.openxmlformats.org/officeDocument/2006/relationships" xmlns:p="http://schemas.openxmlformats.org/presentationml/2006/main">
   <p:cSld>
     <p:spTree>
